--- a/ML - Machine Learning/Notes/Activation Functions.pptx
+++ b/ML - Machine Learning/Notes/Activation Functions.pptx
@@ -247,7 +247,7 @@
           <a:p>
             <a:fld id="{892D483B-5DCA-4AB0-8695-DA156370E431}" type="datetimeFigureOut">
               <a:rPr lang="en-IN" smtClean="0"/>
-              <a:t>24/11/21</a:t>
+              <a:t>13/02/22</a:t>
             </a:fld>
             <a:endParaRPr lang="en-IN"/>
           </a:p>
@@ -417,7 +417,7 @@
           <a:p>
             <a:fld id="{892D483B-5DCA-4AB0-8695-DA156370E431}" type="datetimeFigureOut">
               <a:rPr lang="en-IN" smtClean="0"/>
-              <a:t>24/11/21</a:t>
+              <a:t>13/02/22</a:t>
             </a:fld>
             <a:endParaRPr lang="en-IN"/>
           </a:p>
@@ -597,7 +597,7 @@
           <a:p>
             <a:fld id="{892D483B-5DCA-4AB0-8695-DA156370E431}" type="datetimeFigureOut">
               <a:rPr lang="en-IN" smtClean="0"/>
-              <a:t>24/11/21</a:t>
+              <a:t>13/02/22</a:t>
             </a:fld>
             <a:endParaRPr lang="en-IN"/>
           </a:p>
@@ -767,7 +767,7 @@
           <a:p>
             <a:fld id="{892D483B-5DCA-4AB0-8695-DA156370E431}" type="datetimeFigureOut">
               <a:rPr lang="en-IN" smtClean="0"/>
-              <a:t>24/11/21</a:t>
+              <a:t>13/02/22</a:t>
             </a:fld>
             <a:endParaRPr lang="en-IN"/>
           </a:p>
@@ -1013,7 +1013,7 @@
           <a:p>
             <a:fld id="{892D483B-5DCA-4AB0-8695-DA156370E431}" type="datetimeFigureOut">
               <a:rPr lang="en-IN" smtClean="0"/>
-              <a:t>24/11/21</a:t>
+              <a:t>13/02/22</a:t>
             </a:fld>
             <a:endParaRPr lang="en-IN"/>
           </a:p>
@@ -1245,7 +1245,7 @@
           <a:p>
             <a:fld id="{892D483B-5DCA-4AB0-8695-DA156370E431}" type="datetimeFigureOut">
               <a:rPr lang="en-IN" smtClean="0"/>
-              <a:t>24/11/21</a:t>
+              <a:t>13/02/22</a:t>
             </a:fld>
             <a:endParaRPr lang="en-IN"/>
           </a:p>
@@ -1612,7 +1612,7 @@
           <a:p>
             <a:fld id="{892D483B-5DCA-4AB0-8695-DA156370E431}" type="datetimeFigureOut">
               <a:rPr lang="en-IN" smtClean="0"/>
-              <a:t>24/11/21</a:t>
+              <a:t>13/02/22</a:t>
             </a:fld>
             <a:endParaRPr lang="en-IN"/>
           </a:p>
@@ -1730,7 +1730,7 @@
           <a:p>
             <a:fld id="{892D483B-5DCA-4AB0-8695-DA156370E431}" type="datetimeFigureOut">
               <a:rPr lang="en-IN" smtClean="0"/>
-              <a:t>24/11/21</a:t>
+              <a:t>13/02/22</a:t>
             </a:fld>
             <a:endParaRPr lang="en-IN"/>
           </a:p>
@@ -1825,7 +1825,7 @@
           <a:p>
             <a:fld id="{892D483B-5DCA-4AB0-8695-DA156370E431}" type="datetimeFigureOut">
               <a:rPr lang="en-IN" smtClean="0"/>
-              <a:t>24/11/21</a:t>
+              <a:t>13/02/22</a:t>
             </a:fld>
             <a:endParaRPr lang="en-IN"/>
           </a:p>
@@ -2102,7 +2102,7 @@
           <a:p>
             <a:fld id="{892D483B-5DCA-4AB0-8695-DA156370E431}" type="datetimeFigureOut">
               <a:rPr lang="en-IN" smtClean="0"/>
-              <a:t>24/11/21</a:t>
+              <a:t>13/02/22</a:t>
             </a:fld>
             <a:endParaRPr lang="en-IN"/>
           </a:p>
@@ -2355,7 +2355,7 @@
           <a:p>
             <a:fld id="{892D483B-5DCA-4AB0-8695-DA156370E431}" type="datetimeFigureOut">
               <a:rPr lang="en-IN" smtClean="0"/>
-              <a:t>24/11/21</a:t>
+              <a:t>13/02/22</a:t>
             </a:fld>
             <a:endParaRPr lang="en-IN"/>
           </a:p>
@@ -2568,7 +2568,7 @@
           <a:p>
             <a:fld id="{892D483B-5DCA-4AB0-8695-DA156370E431}" type="datetimeFigureOut">
               <a:rPr lang="en-IN" smtClean="0"/>
-              <a:t>24/11/21</a:t>
+              <a:t>13/02/22</a:t>
             </a:fld>
             <a:endParaRPr lang="en-IN"/>
           </a:p>
@@ -3266,7 +3266,23 @@
             </a:r>
             <a:r>
               <a:rPr lang="en-IN" dirty="0"/>
-              <a:t>, if the value of Y is above a certain value known as the threshold, </a:t>
+              <a:t>, if the value </a:t>
+            </a:r>
+            <a:r>
+              <a:rPr lang="en-IN"/>
+              <a:t>of </a:t>
+            </a:r>
+            <a:r>
+              <a:rPr lang="en-IN" dirty="0"/>
+              <a:t>Y</a:t>
+            </a:r>
+            <a:r>
+              <a:rPr lang="en-IN"/>
+              <a:t> </a:t>
+            </a:r>
+            <a:r>
+              <a:rPr lang="en-IN" dirty="0"/>
+              <a:t>is above a certain value known as the threshold, </a:t>
             </a:r>
           </a:p>
           <a:p>
